--- a/aws_sra_examples/solutions/iam/iam_password_policy/documentation/iam-password-policy.pptx
+++ b/aws_sra_examples/solutions/iam/iam_password_policy/documentation/iam-password-policy.pptx
@@ -5,10 +5,11 @@
     <p:sldMasterId id="2147483648" r:id="rId1"/>
   </p:sldMasterIdLst>
   <p:notesMasterIdLst>
-    <p:notesMasterId r:id="rId3"/>
+    <p:notesMasterId r:id="rId4"/>
   </p:notesMasterIdLst>
   <p:sldIdLst>
     <p:sldId id="256" r:id="rId2"/>
+    <p:sldId id="257" r:id="rId3"/>
   </p:sldIdLst>
   <p:sldSz cx="12192000" cy="6858000"/>
   <p:notesSz cx="6858000" cy="9144000"/>
@@ -108,6 +109,20 @@
     </a:lvl9pPr>
   </p:defaultTextStyle>
   <p:extLst>
+    <p:ext uri="{521415D9-36F7-43E2-AB2F-B90AF26B5E84}">
+      <p14:sectionLst xmlns:p14="http://schemas.microsoft.com/office/powerpoint/2010/main">
+        <p14:section name="AWS SRA IAM password policy - CloudFormation" id="{9E29DF11-64FC-4F5D-B6BB-181AA00B5368}">
+          <p14:sldIdLst>
+            <p14:sldId id="256"/>
+          </p14:sldIdLst>
+        </p14:section>
+        <p14:section name="AWS SRA IAM password policy - Terraform" id="{87C5CF43-A217-4A1D-BABC-C5F72474D82C}">
+          <p14:sldIdLst>
+            <p14:sldId id="257"/>
+          </p14:sldIdLst>
+        </p14:section>
+      </p14:sectionLst>
+    </p:ext>
     <p:ext uri="{EFAFB233-063F-42B5-8137-9DF3F51BA10A}">
       <p15:sldGuideLst xmlns:p15="http://schemas.microsoft.com/office/powerpoint/2012/main"/>
     </p:ext>
@@ -197,7 +212,7 @@
           <a:p>
             <a:fld id="{FD8D84E3-00BA-4A46-8256-7E527D8B4480}" type="datetimeFigureOut">
               <a:rPr lang="en-US" smtClean="0"/>
-              <a:t>3/7/22</a:t>
+              <a:t>2/5/2024</a:t>
             </a:fld>
             <a:endParaRPr lang="en-US"/>
           </a:p>
@@ -548,6 +563,90 @@
 </p:notes>
 </file>
 
+<file path=ppt/notesSlides/notesSlide2.xml><?xml version="1.0" encoding="utf-8"?>
+<p:notes xmlns:a="http://schemas.openxmlformats.org/drawingml/2006/main" xmlns:r="http://schemas.openxmlformats.org/officeDocument/2006/relationships" xmlns:p="http://schemas.openxmlformats.org/presentationml/2006/main">
+  <p:cSld>
+    <p:spTree>
+      <p:nvGrpSpPr>
+        <p:cNvPr id="1" name=""/>
+        <p:cNvGrpSpPr/>
+        <p:nvPr/>
+      </p:nvGrpSpPr>
+      <p:grpSpPr>
+        <a:xfrm>
+          <a:off x="0" y="0"/>
+          <a:ext cx="0" cy="0"/>
+          <a:chOff x="0" y="0"/>
+          <a:chExt cx="0" cy="0"/>
+        </a:xfrm>
+      </p:grpSpPr>
+      <p:sp>
+        <p:nvSpPr>
+          <p:cNvPr id="2" name="Slide Image Placeholder 1"/>
+          <p:cNvSpPr>
+            <a:spLocks noGrp="1" noRot="1" noChangeAspect="1"/>
+          </p:cNvSpPr>
+          <p:nvPr>
+            <p:ph type="sldImg"/>
+          </p:nvPr>
+        </p:nvSpPr>
+        <p:spPr/>
+      </p:sp>
+      <p:sp>
+        <p:nvSpPr>
+          <p:cNvPr id="3" name="Notes Placeholder 2"/>
+          <p:cNvSpPr>
+            <a:spLocks noGrp="1"/>
+          </p:cNvSpPr>
+          <p:nvPr>
+            <p:ph type="body" idx="1"/>
+          </p:nvPr>
+        </p:nvSpPr>
+        <p:spPr/>
+        <p:txBody>
+          <a:bodyPr/>
+          <a:lstStyle/>
+          <a:p>
+            <a:endParaRPr lang="en-US" dirty="0"/>
+          </a:p>
+        </p:txBody>
+      </p:sp>
+      <p:sp>
+        <p:nvSpPr>
+          <p:cNvPr id="4" name="Slide Number Placeholder 3"/>
+          <p:cNvSpPr>
+            <a:spLocks noGrp="1"/>
+          </p:cNvSpPr>
+          <p:nvPr>
+            <p:ph type="sldNum" sz="quarter" idx="5"/>
+          </p:nvPr>
+        </p:nvSpPr>
+        <p:spPr/>
+        <p:txBody>
+          <a:bodyPr/>
+          <a:lstStyle/>
+          <a:p>
+            <a:fld id="{9E1330C4-BBBB-FC4A-85DD-6AFA452BF0C0}" type="slidenum">
+              <a:rPr lang="en-US" smtClean="0"/>
+              <a:t>2</a:t>
+            </a:fld>
+            <a:endParaRPr lang="en-US"/>
+          </a:p>
+        </p:txBody>
+      </p:sp>
+    </p:spTree>
+    <p:extLst>
+      <p:ext uri="{BB962C8B-B14F-4D97-AF65-F5344CB8AC3E}">
+        <p14:creationId xmlns:p14="http://schemas.microsoft.com/office/powerpoint/2010/main" val="27507652"/>
+      </p:ext>
+    </p:extLst>
+  </p:cSld>
+  <p:clrMapOvr>
+    <a:masterClrMapping/>
+  </p:clrMapOvr>
+</p:notes>
+</file>
+
 <file path=ppt/slideLayouts/slideLayout1.xml><?xml version="1.0" encoding="utf-8"?>
 <p:sldLayout xmlns:a="http://schemas.openxmlformats.org/drawingml/2006/main" xmlns:r="http://schemas.openxmlformats.org/officeDocument/2006/relationships" xmlns:p="http://schemas.openxmlformats.org/presentationml/2006/main" type="title" preserve="1">
   <p:cSld name="Title Slide">
@@ -695,7 +794,7 @@
           <a:p>
             <a:fld id="{9FE185F7-9B28-9F45-9F43-9CB5A0B99390}" type="datetimeFigureOut">
               <a:rPr lang="en-US" smtClean="0"/>
-              <a:t>3/7/22</a:t>
+              <a:t>2/5/2024</a:t>
             </a:fld>
             <a:endParaRPr lang="en-US"/>
           </a:p>
@@ -893,7 +992,7 @@
           <a:p>
             <a:fld id="{9FE185F7-9B28-9F45-9F43-9CB5A0B99390}" type="datetimeFigureOut">
               <a:rPr lang="en-US" smtClean="0"/>
-              <a:t>3/7/22</a:t>
+              <a:t>2/5/2024</a:t>
             </a:fld>
             <a:endParaRPr lang="en-US"/>
           </a:p>
@@ -1101,7 +1200,7 @@
           <a:p>
             <a:fld id="{9FE185F7-9B28-9F45-9F43-9CB5A0B99390}" type="datetimeFigureOut">
               <a:rPr lang="en-US" smtClean="0"/>
-              <a:t>3/7/22</a:t>
+              <a:t>2/5/2024</a:t>
             </a:fld>
             <a:endParaRPr lang="en-US"/>
           </a:p>
@@ -1299,7 +1398,7 @@
           <a:p>
             <a:fld id="{9FE185F7-9B28-9F45-9F43-9CB5A0B99390}" type="datetimeFigureOut">
               <a:rPr lang="en-US" smtClean="0"/>
-              <a:t>3/7/22</a:t>
+              <a:t>2/5/2024</a:t>
             </a:fld>
             <a:endParaRPr lang="en-US"/>
           </a:p>
@@ -1574,7 +1673,7 @@
           <a:p>
             <a:fld id="{9FE185F7-9B28-9F45-9F43-9CB5A0B99390}" type="datetimeFigureOut">
               <a:rPr lang="en-US" smtClean="0"/>
-              <a:t>3/7/22</a:t>
+              <a:t>2/5/2024</a:t>
             </a:fld>
             <a:endParaRPr lang="en-US"/>
           </a:p>
@@ -1839,7 +1938,7 @@
           <a:p>
             <a:fld id="{9FE185F7-9B28-9F45-9F43-9CB5A0B99390}" type="datetimeFigureOut">
               <a:rPr lang="en-US" smtClean="0"/>
-              <a:t>3/7/22</a:t>
+              <a:t>2/5/2024</a:t>
             </a:fld>
             <a:endParaRPr lang="en-US"/>
           </a:p>
@@ -2251,7 +2350,7 @@
           <a:p>
             <a:fld id="{9FE185F7-9B28-9F45-9F43-9CB5A0B99390}" type="datetimeFigureOut">
               <a:rPr lang="en-US" smtClean="0"/>
-              <a:t>3/7/22</a:t>
+              <a:t>2/5/2024</a:t>
             </a:fld>
             <a:endParaRPr lang="en-US"/>
           </a:p>
@@ -2392,7 +2491,7 @@
           <a:p>
             <a:fld id="{9FE185F7-9B28-9F45-9F43-9CB5A0B99390}" type="datetimeFigureOut">
               <a:rPr lang="en-US" smtClean="0"/>
-              <a:t>3/7/22</a:t>
+              <a:t>2/5/2024</a:t>
             </a:fld>
             <a:endParaRPr lang="en-US"/>
           </a:p>
@@ -2505,7 +2604,7 @@
           <a:p>
             <a:fld id="{9FE185F7-9B28-9F45-9F43-9CB5A0B99390}" type="datetimeFigureOut">
               <a:rPr lang="en-US" smtClean="0"/>
-              <a:t>3/7/22</a:t>
+              <a:t>2/5/2024</a:t>
             </a:fld>
             <a:endParaRPr lang="en-US"/>
           </a:p>
@@ -2816,7 +2915,7 @@
           <a:p>
             <a:fld id="{9FE185F7-9B28-9F45-9F43-9CB5A0B99390}" type="datetimeFigureOut">
               <a:rPr lang="en-US" smtClean="0"/>
-              <a:t>3/7/22</a:t>
+              <a:t>2/5/2024</a:t>
             </a:fld>
             <a:endParaRPr lang="en-US"/>
           </a:p>
@@ -3104,7 +3203,7 @@
           <a:p>
             <a:fld id="{9FE185F7-9B28-9F45-9F43-9CB5A0B99390}" type="datetimeFigureOut">
               <a:rPr lang="en-US" smtClean="0"/>
-              <a:t>3/7/22</a:t>
+              <a:t>2/5/2024</a:t>
             </a:fld>
             <a:endParaRPr lang="en-US"/>
           </a:p>
@@ -3345,7 +3444,7 @@
           <a:p>
             <a:fld id="{9FE185F7-9B28-9F45-9F43-9CB5A0B99390}" type="datetimeFigureOut">
               <a:rPr lang="en-US" smtClean="0"/>
-              <a:t>3/7/22</a:t>
+              <a:t>2/5/2024</a:t>
             </a:fld>
             <a:endParaRPr lang="en-US"/>
           </a:p>
@@ -5539,6 +5638,1643 @@
     <p:extLst>
       <p:ext uri="{BB962C8B-B14F-4D97-AF65-F5344CB8AC3E}">
         <p14:creationId xmlns:p14="http://schemas.microsoft.com/office/powerpoint/2010/main" val="2296993975"/>
+      </p:ext>
+    </p:extLst>
+  </p:cSld>
+  <p:clrMapOvr>
+    <a:masterClrMapping/>
+  </p:clrMapOvr>
+</p:sld>
+</file>
+
+<file path=ppt/slides/slide2.xml><?xml version="1.0" encoding="utf-8"?>
+<p:sld xmlns:a="http://schemas.openxmlformats.org/drawingml/2006/main" xmlns:r="http://schemas.openxmlformats.org/officeDocument/2006/relationships" xmlns:p="http://schemas.openxmlformats.org/presentationml/2006/main">
+  <p:cSld>
+    <p:spTree>
+      <p:nvGrpSpPr>
+        <p:cNvPr id="1" name=""/>
+        <p:cNvGrpSpPr/>
+        <p:nvPr/>
+      </p:nvGrpSpPr>
+      <p:grpSpPr>
+        <a:xfrm>
+          <a:off x="0" y="0"/>
+          <a:ext cx="0" cy="0"/>
+          <a:chOff x="0" y="0"/>
+          <a:chExt cx="0" cy="0"/>
+        </a:xfrm>
+      </p:grpSpPr>
+      <p:sp>
+        <p:nvSpPr>
+          <p:cNvPr id="125" name="Rectangle 124">
+            <a:extLst>
+              <a:ext uri="{FF2B5EF4-FFF2-40B4-BE49-F238E27FC236}">
+                <a16:creationId xmlns:a16="http://schemas.microsoft.com/office/drawing/2014/main" id="{09FB3F18-5D37-9F42-BE21-657A66F925D2}"/>
+              </a:ext>
+            </a:extLst>
+          </p:cNvPr>
+          <p:cNvSpPr/>
+          <p:nvPr/>
+        </p:nvSpPr>
+        <p:spPr>
+          <a:xfrm>
+            <a:off x="3805186" y="1437077"/>
+            <a:ext cx="4581628" cy="3300293"/>
+          </a:xfrm>
+          <a:prstGeom prst="rect">
+            <a:avLst/>
+          </a:prstGeom>
+          <a:solidFill>
+            <a:schemeClr val="bg1"/>
+          </a:solidFill>
+          <a:ln w="12700">
+            <a:solidFill>
+              <a:schemeClr val="tx1"/>
+            </a:solidFill>
+          </a:ln>
+        </p:spPr>
+        <p:style>
+          <a:lnRef idx="2">
+            <a:schemeClr val="accent1">
+              <a:shade val="50000"/>
+            </a:schemeClr>
+          </a:lnRef>
+          <a:fillRef idx="1">
+            <a:schemeClr val="accent1"/>
+          </a:fillRef>
+          <a:effectRef idx="0">
+            <a:schemeClr val="accent1"/>
+          </a:effectRef>
+          <a:fontRef idx="minor">
+            <a:schemeClr val="lt1"/>
+          </a:fontRef>
+        </p:style>
+        <p:txBody>
+          <a:bodyPr rot="0" spcFirstLastPara="0" vert="horz" wrap="square" lIns="457200" tIns="91440" rIns="91440" bIns="45720" numCol="1" spcCol="0" rtlCol="0" fromWordArt="0" anchor="t" anchorCtr="0" forceAA="0" compatLnSpc="1">
+            <a:prstTxWarp prst="textNoShape">
+              <a:avLst/>
+            </a:prstTxWarp>
+            <a:noAutofit/>
+          </a:bodyPr>
+          <a:lstStyle>
+            <a:lvl1pPr>
+              <a:defRPr>
+                <a:solidFill>
+                  <a:schemeClr val="lt1"/>
+                </a:solidFill>
+                <a:latin typeface="+mn-lt"/>
+                <a:ea typeface="+mn-ea"/>
+                <a:cs typeface="+mn-cs"/>
+              </a:defRPr>
+            </a:lvl1pPr>
+            <a:lvl2pPr>
+              <a:defRPr>
+                <a:solidFill>
+                  <a:schemeClr val="lt1"/>
+                </a:solidFill>
+                <a:latin typeface="+mn-lt"/>
+                <a:ea typeface="+mn-ea"/>
+                <a:cs typeface="+mn-cs"/>
+              </a:defRPr>
+            </a:lvl2pPr>
+            <a:lvl3pPr>
+              <a:defRPr>
+                <a:solidFill>
+                  <a:schemeClr val="lt1"/>
+                </a:solidFill>
+                <a:latin typeface="+mn-lt"/>
+                <a:ea typeface="+mn-ea"/>
+                <a:cs typeface="+mn-cs"/>
+              </a:defRPr>
+            </a:lvl3pPr>
+            <a:lvl4pPr>
+              <a:defRPr>
+                <a:solidFill>
+                  <a:schemeClr val="lt1"/>
+                </a:solidFill>
+                <a:latin typeface="+mn-lt"/>
+                <a:ea typeface="+mn-ea"/>
+                <a:cs typeface="+mn-cs"/>
+              </a:defRPr>
+            </a:lvl4pPr>
+            <a:lvl5pPr>
+              <a:defRPr>
+                <a:solidFill>
+                  <a:schemeClr val="lt1"/>
+                </a:solidFill>
+                <a:latin typeface="+mn-lt"/>
+                <a:ea typeface="+mn-ea"/>
+                <a:cs typeface="+mn-cs"/>
+              </a:defRPr>
+            </a:lvl5pPr>
+            <a:lvl6pPr>
+              <a:defRPr>
+                <a:solidFill>
+                  <a:schemeClr val="lt1"/>
+                </a:solidFill>
+                <a:latin typeface="+mn-lt"/>
+                <a:ea typeface="+mn-ea"/>
+                <a:cs typeface="+mn-cs"/>
+              </a:defRPr>
+            </a:lvl6pPr>
+            <a:lvl7pPr>
+              <a:defRPr>
+                <a:solidFill>
+                  <a:schemeClr val="lt1"/>
+                </a:solidFill>
+                <a:latin typeface="+mn-lt"/>
+                <a:ea typeface="+mn-ea"/>
+                <a:cs typeface="+mn-cs"/>
+              </a:defRPr>
+            </a:lvl7pPr>
+            <a:lvl8pPr>
+              <a:defRPr>
+                <a:solidFill>
+                  <a:schemeClr val="lt1"/>
+                </a:solidFill>
+                <a:latin typeface="+mn-lt"/>
+                <a:ea typeface="+mn-ea"/>
+                <a:cs typeface="+mn-cs"/>
+              </a:defRPr>
+            </a:lvl8pPr>
+            <a:lvl9pPr>
+              <a:defRPr>
+                <a:solidFill>
+                  <a:schemeClr val="lt1"/>
+                </a:solidFill>
+                <a:latin typeface="+mn-lt"/>
+                <a:ea typeface="+mn-ea"/>
+                <a:cs typeface="+mn-cs"/>
+              </a:defRPr>
+            </a:lvl9pPr>
+          </a:lstStyle>
+          <a:p>
+            <a:pPr algn="l"/>
+            <a:r>
+              <a:rPr lang="en-US" sz="1400" dirty="0">
+                <a:solidFill>
+                  <a:sysClr val="windowText" lastClr="000000"/>
+                </a:solidFill>
+                <a:latin typeface="Arial" panose="020B0604020202020204" pitchFamily="34" charset="0"/>
+                <a:cs typeface="Arial" panose="020B0604020202020204" pitchFamily="34" charset="0"/>
+              </a:rPr>
+              <a:t>AWS Cloud</a:t>
+            </a:r>
+          </a:p>
+        </p:txBody>
+      </p:sp>
+      <p:sp>
+        <p:nvSpPr>
+          <p:cNvPr id="129" name="Rectangle 128">
+            <a:extLst>
+              <a:ext uri="{FF2B5EF4-FFF2-40B4-BE49-F238E27FC236}">
+                <a16:creationId xmlns:a16="http://schemas.microsoft.com/office/drawing/2014/main" id="{FB73AA4D-BE37-B546-8168-72555838077A}"/>
+              </a:ext>
+            </a:extLst>
+          </p:cNvPr>
+          <p:cNvSpPr/>
+          <p:nvPr/>
+        </p:nvSpPr>
+        <p:spPr>
+          <a:xfrm>
+            <a:off x="3948572" y="1896651"/>
+            <a:ext cx="4282598" cy="2691259"/>
+          </a:xfrm>
+          <a:prstGeom prst="rect">
+            <a:avLst/>
+          </a:prstGeom>
+          <a:noFill/>
+          <a:ln w="12700">
+            <a:solidFill>
+              <a:schemeClr val="tx1"/>
+            </a:solidFill>
+            <a:prstDash val="solid"/>
+          </a:ln>
+        </p:spPr>
+        <p:style>
+          <a:lnRef idx="2">
+            <a:schemeClr val="accent1">
+              <a:shade val="50000"/>
+            </a:schemeClr>
+          </a:lnRef>
+          <a:fillRef idx="1">
+            <a:schemeClr val="accent1"/>
+          </a:fillRef>
+          <a:effectRef idx="0">
+            <a:schemeClr val="accent1"/>
+          </a:effectRef>
+          <a:fontRef idx="minor">
+            <a:schemeClr val="lt1"/>
+          </a:fontRef>
+        </p:style>
+        <p:txBody>
+          <a:bodyPr rot="0" spcFirstLastPara="0" vertOverflow="overflow" horzOverflow="overflow" vert="horz" wrap="square" lIns="91440" tIns="91440" rIns="91440" bIns="45720" numCol="1" spcCol="0" rtlCol="0" fromWordArt="0" anchor="t" anchorCtr="0" forceAA="0" compatLnSpc="1">
+            <a:prstTxWarp prst="textNoShape">
+              <a:avLst/>
+            </a:prstTxWarp>
+            <a:noAutofit/>
+          </a:bodyPr>
+          <a:lstStyle/>
+          <a:p>
+            <a:pPr algn="ctr"/>
+            <a:r>
+              <a:rPr lang="en-US" sz="1400" dirty="0">
+                <a:solidFill>
+                  <a:schemeClr val="tx1"/>
+                </a:solidFill>
+                <a:latin typeface="Arial" panose="020B0604020202020204" pitchFamily="34" charset="0"/>
+                <a:cs typeface="Arial" panose="020B0604020202020204" pitchFamily="34" charset="0"/>
+              </a:rPr>
+              <a:t>All Organization Accounts</a:t>
+            </a:r>
+          </a:p>
+        </p:txBody>
+      </p:sp>
+      <p:pic>
+        <p:nvPicPr>
+          <p:cNvPr id="126" name="Graphic 2">
+            <a:extLst>
+              <a:ext uri="{FF2B5EF4-FFF2-40B4-BE49-F238E27FC236}">
+                <a16:creationId xmlns:a16="http://schemas.microsoft.com/office/drawing/2014/main" id="{F04267D0-7955-2C4A-842B-D8A3A9599CC0}"/>
+              </a:ext>
+            </a:extLst>
+          </p:cNvPr>
+          <p:cNvPicPr>
+            <a:picLocks noChangeAspect="1"/>
+          </p:cNvPicPr>
+          <p:nvPr/>
+        </p:nvPicPr>
+        <p:blipFill>
+          <a:blip r:embed="rId3">
+            <a:extLst>
+              <a:ext uri="{96DAC541-7B7A-43D3-8B79-37D633B846F1}">
+                <asvg:svgBlip xmlns:asvg="http://schemas.microsoft.com/office/drawing/2016/SVG/main" r:embed="rId4"/>
+              </a:ext>
+            </a:extLst>
+          </a:blip>
+          <a:stretch>
+            <a:fillRect/>
+          </a:stretch>
+        </p:blipFill>
+        <p:spPr>
+          <a:xfrm>
+            <a:off x="3805186" y="1443627"/>
+            <a:ext cx="330200" cy="330200"/>
+          </a:xfrm>
+          <a:prstGeom prst="rect">
+            <a:avLst/>
+          </a:prstGeom>
+        </p:spPr>
+      </p:pic>
+      <p:sp>
+        <p:nvSpPr>
+          <p:cNvPr id="226" name="Oval 225">
+            <a:extLst>
+              <a:ext uri="{FF2B5EF4-FFF2-40B4-BE49-F238E27FC236}">
+                <a16:creationId xmlns:a16="http://schemas.microsoft.com/office/drawing/2014/main" id="{B075B0CF-8F6A-3947-BD02-50EB6DA85CEE}"/>
+              </a:ext>
+            </a:extLst>
+          </p:cNvPr>
+          <p:cNvSpPr/>
+          <p:nvPr/>
+        </p:nvSpPr>
+        <p:spPr>
+          <a:xfrm>
+            <a:off x="3980263" y="1924083"/>
+            <a:ext cx="253435" cy="212902"/>
+          </a:xfrm>
+          <a:prstGeom prst="ellipse">
+            <a:avLst/>
+          </a:prstGeom>
+          <a:solidFill>
+            <a:schemeClr val="tx1"/>
+          </a:solidFill>
+          <a:ln>
+            <a:solidFill>
+              <a:schemeClr val="tx1"/>
+            </a:solidFill>
+          </a:ln>
+        </p:spPr>
+        <p:style>
+          <a:lnRef idx="2">
+            <a:schemeClr val="accent1">
+              <a:shade val="50000"/>
+            </a:schemeClr>
+          </a:lnRef>
+          <a:fillRef idx="1">
+            <a:schemeClr val="accent1"/>
+          </a:fillRef>
+          <a:effectRef idx="0">
+            <a:schemeClr val="accent1"/>
+          </a:effectRef>
+          <a:fontRef idx="minor">
+            <a:schemeClr val="lt1"/>
+          </a:fontRef>
+        </p:style>
+        <p:txBody>
+          <a:bodyPr lIns="0" tIns="0" rIns="0" bIns="0" rtlCol="0" anchor="ctr"/>
+          <a:lstStyle/>
+          <a:p>
+            <a:pPr algn="ctr"/>
+            <a:r>
+              <a:rPr lang="en-US" sz="800" dirty="0">
+                <a:latin typeface="Arial" panose="020B0604020202020204" pitchFamily="34" charset="0"/>
+                <a:cs typeface="Arial" panose="020B0604020202020204" pitchFamily="34" charset="0"/>
+              </a:rPr>
+              <a:t>1.0</a:t>
+            </a:r>
+          </a:p>
+        </p:txBody>
+      </p:sp>
+      <p:sp>
+        <p:nvSpPr>
+          <p:cNvPr id="97" name="TextBox 12">
+            <a:extLst>
+              <a:ext uri="{FF2B5EF4-FFF2-40B4-BE49-F238E27FC236}">
+                <a16:creationId xmlns:a16="http://schemas.microsoft.com/office/drawing/2014/main" id="{04627C49-0E20-1B4A-A3BA-EEBAA5DE5CAE}"/>
+              </a:ext>
+            </a:extLst>
+          </p:cNvPr>
+          <p:cNvSpPr txBox="1">
+            <a:spLocks noChangeArrowheads="1"/>
+          </p:cNvSpPr>
+          <p:nvPr/>
+        </p:nvSpPr>
+        <p:spPr bwMode="auto">
+          <a:xfrm>
+            <a:off x="6738809" y="2979929"/>
+            <a:ext cx="1295449" cy="430887"/>
+          </a:xfrm>
+          <a:prstGeom prst="rect">
+            <a:avLst/>
+          </a:prstGeom>
+          <a:noFill/>
+          <a:ln>
+            <a:noFill/>
+          </a:ln>
+          <a:extLst>
+            <a:ext uri="{909E8E84-426E-40DD-AFC4-6F175D3DCCD1}">
+              <a14:hiddenFill xmlns:a14="http://schemas.microsoft.com/office/drawing/2010/main">
+                <a:solidFill>
+                  <a:srgbClr val="FFFFFF"/>
+                </a:solidFill>
+              </a14:hiddenFill>
+            </a:ext>
+            <a:ext uri="{91240B29-F687-4F45-9708-019B960494DF}">
+              <a14:hiddenLine xmlns:a14="http://schemas.microsoft.com/office/drawing/2010/main" w="9525">
+                <a:solidFill>
+                  <a:srgbClr val="000000"/>
+                </a:solidFill>
+                <a:miter lim="800000"/>
+                <a:headEnd/>
+                <a:tailEnd/>
+              </a14:hiddenLine>
+            </a:ext>
+          </a:extLst>
+        </p:spPr>
+        <p:txBody>
+          <a:bodyPr wrap="square">
+            <a:spAutoFit/>
+          </a:bodyPr>
+          <a:lstStyle>
+            <a:lvl1pPr>
+              <a:defRPr>
+                <a:solidFill>
+                  <a:schemeClr val="tx1"/>
+                </a:solidFill>
+                <a:latin typeface="Calibri" panose="020F0502020204030204" pitchFamily="34" charset="0"/>
+              </a:defRPr>
+            </a:lvl1pPr>
+            <a:lvl2pPr marL="742950" indent="-285750">
+              <a:defRPr>
+                <a:solidFill>
+                  <a:schemeClr val="tx1"/>
+                </a:solidFill>
+                <a:latin typeface="Calibri" panose="020F0502020204030204" pitchFamily="34" charset="0"/>
+              </a:defRPr>
+            </a:lvl2pPr>
+            <a:lvl3pPr marL="1143000" indent="-228600">
+              <a:defRPr>
+                <a:solidFill>
+                  <a:schemeClr val="tx1"/>
+                </a:solidFill>
+                <a:latin typeface="Calibri" panose="020F0502020204030204" pitchFamily="34" charset="0"/>
+              </a:defRPr>
+            </a:lvl3pPr>
+            <a:lvl4pPr marL="1600200" indent="-228600">
+              <a:defRPr>
+                <a:solidFill>
+                  <a:schemeClr val="tx1"/>
+                </a:solidFill>
+                <a:latin typeface="Calibri" panose="020F0502020204030204" pitchFamily="34" charset="0"/>
+              </a:defRPr>
+            </a:lvl4pPr>
+            <a:lvl5pPr marL="2057400" indent="-228600">
+              <a:defRPr>
+                <a:solidFill>
+                  <a:schemeClr val="tx1"/>
+                </a:solidFill>
+                <a:latin typeface="Calibri" panose="020F0502020204030204" pitchFamily="34" charset="0"/>
+              </a:defRPr>
+            </a:lvl5pPr>
+            <a:lvl6pPr marL="2514600" indent="-228600" eaLnBrk="0" fontAlgn="base" hangingPunct="0">
+              <a:spcBef>
+                <a:spcPct val="0"/>
+              </a:spcBef>
+              <a:spcAft>
+                <a:spcPct val="0"/>
+              </a:spcAft>
+              <a:defRPr>
+                <a:solidFill>
+                  <a:schemeClr val="tx1"/>
+                </a:solidFill>
+                <a:latin typeface="Calibri" panose="020F0502020204030204" pitchFamily="34" charset="0"/>
+              </a:defRPr>
+            </a:lvl6pPr>
+            <a:lvl7pPr marL="2971800" indent="-228600" eaLnBrk="0" fontAlgn="base" hangingPunct="0">
+              <a:spcBef>
+                <a:spcPct val="0"/>
+              </a:spcBef>
+              <a:spcAft>
+                <a:spcPct val="0"/>
+              </a:spcAft>
+              <a:defRPr>
+                <a:solidFill>
+                  <a:schemeClr val="tx1"/>
+                </a:solidFill>
+                <a:latin typeface="Calibri" panose="020F0502020204030204" pitchFamily="34" charset="0"/>
+              </a:defRPr>
+            </a:lvl7pPr>
+            <a:lvl8pPr marL="3429000" indent="-228600" eaLnBrk="0" fontAlgn="base" hangingPunct="0">
+              <a:spcBef>
+                <a:spcPct val="0"/>
+              </a:spcBef>
+              <a:spcAft>
+                <a:spcPct val="0"/>
+              </a:spcAft>
+              <a:defRPr>
+                <a:solidFill>
+                  <a:schemeClr val="tx1"/>
+                </a:solidFill>
+                <a:latin typeface="Calibri" panose="020F0502020204030204" pitchFamily="34" charset="0"/>
+              </a:defRPr>
+            </a:lvl8pPr>
+            <a:lvl9pPr marL="3886200" indent="-228600" eaLnBrk="0" fontAlgn="base" hangingPunct="0">
+              <a:spcBef>
+                <a:spcPct val="0"/>
+              </a:spcBef>
+              <a:spcAft>
+                <a:spcPct val="0"/>
+              </a:spcAft>
+              <a:defRPr>
+                <a:solidFill>
+                  <a:schemeClr val="tx1"/>
+                </a:solidFill>
+                <a:latin typeface="Calibri" panose="020F0502020204030204" pitchFamily="34" charset="0"/>
+              </a:defRPr>
+            </a:lvl9pPr>
+          </a:lstStyle>
+          <a:p>
+            <a:pPr algn="ctr" eaLnBrk="1" hangingPunct="1"/>
+            <a:r>
+              <a:rPr lang="en-US" altLang="en-US" sz="1100" dirty="0">
+                <a:latin typeface="Arial" panose="020B0604020202020204" pitchFamily="34" charset="0"/>
+                <a:ea typeface="Amazon Ember" panose="020B0603020204020204" pitchFamily="34" charset="0"/>
+                <a:cs typeface="Arial" panose="020B0604020202020204" pitchFamily="34" charset="0"/>
+              </a:rPr>
+              <a:t>IAM </a:t>
+            </a:r>
+          </a:p>
+          <a:p>
+            <a:pPr algn="ctr" eaLnBrk="1" hangingPunct="1"/>
+            <a:r>
+              <a:rPr lang="en-US" altLang="en-US" sz="1100" dirty="0">
+                <a:latin typeface="Arial" panose="020B0604020202020204" pitchFamily="34" charset="0"/>
+                <a:ea typeface="Amazon Ember" panose="020B0603020204020204" pitchFamily="34" charset="0"/>
+                <a:cs typeface="Arial" panose="020B0604020202020204" pitchFamily="34" charset="0"/>
+              </a:rPr>
+              <a:t>Password Policy</a:t>
+            </a:r>
+          </a:p>
+        </p:txBody>
+      </p:sp>
+      <p:sp>
+        <p:nvSpPr>
+          <p:cNvPr id="50" name="TextBox 17">
+            <a:extLst>
+              <a:ext uri="{FF2B5EF4-FFF2-40B4-BE49-F238E27FC236}">
+                <a16:creationId xmlns:a16="http://schemas.microsoft.com/office/drawing/2014/main" id="{EDB9D562-36EF-1945-8C01-C8FE5F3CF5D7}"/>
+              </a:ext>
+            </a:extLst>
+          </p:cNvPr>
+          <p:cNvSpPr txBox="1">
+            <a:spLocks noChangeArrowheads="1"/>
+          </p:cNvSpPr>
+          <p:nvPr/>
+        </p:nvSpPr>
+        <p:spPr bwMode="auto">
+          <a:xfrm>
+            <a:off x="5367386" y="3038565"/>
+            <a:ext cx="1362074" cy="261610"/>
+          </a:xfrm>
+          <a:prstGeom prst="rect">
+            <a:avLst/>
+          </a:prstGeom>
+          <a:noFill/>
+          <a:ln>
+            <a:noFill/>
+          </a:ln>
+          <a:extLst>
+            <a:ext uri="{909E8E84-426E-40DD-AFC4-6F175D3DCCD1}">
+              <a14:hiddenFill xmlns:a14="http://schemas.microsoft.com/office/drawing/2010/main">
+                <a:solidFill>
+                  <a:srgbClr val="FFFFFF"/>
+                </a:solidFill>
+              </a14:hiddenFill>
+            </a:ext>
+            <a:ext uri="{91240B29-F687-4F45-9708-019B960494DF}">
+              <a14:hiddenLine xmlns:a14="http://schemas.microsoft.com/office/drawing/2010/main" w="9525">
+                <a:solidFill>
+                  <a:srgbClr val="000000"/>
+                </a:solidFill>
+                <a:miter lim="800000"/>
+                <a:headEnd/>
+                <a:tailEnd/>
+              </a14:hiddenLine>
+            </a:ext>
+          </a:extLst>
+        </p:spPr>
+        <p:txBody>
+          <a:bodyPr wrap="square">
+            <a:spAutoFit/>
+          </a:bodyPr>
+          <a:lstStyle>
+            <a:lvl1pPr>
+              <a:defRPr>
+                <a:solidFill>
+                  <a:schemeClr val="tx1"/>
+                </a:solidFill>
+                <a:latin typeface="Calibri" panose="020F0502020204030204" pitchFamily="34" charset="0"/>
+              </a:defRPr>
+            </a:lvl1pPr>
+            <a:lvl2pPr marL="742950" indent="-285750">
+              <a:defRPr>
+                <a:solidFill>
+                  <a:schemeClr val="tx1"/>
+                </a:solidFill>
+                <a:latin typeface="Calibri" panose="020F0502020204030204" pitchFamily="34" charset="0"/>
+              </a:defRPr>
+            </a:lvl2pPr>
+            <a:lvl3pPr marL="1143000" indent="-228600">
+              <a:defRPr>
+                <a:solidFill>
+                  <a:schemeClr val="tx1"/>
+                </a:solidFill>
+                <a:latin typeface="Calibri" panose="020F0502020204030204" pitchFamily="34" charset="0"/>
+              </a:defRPr>
+            </a:lvl3pPr>
+            <a:lvl4pPr marL="1600200" indent="-228600">
+              <a:defRPr>
+                <a:solidFill>
+                  <a:schemeClr val="tx1"/>
+                </a:solidFill>
+                <a:latin typeface="Calibri" panose="020F0502020204030204" pitchFamily="34" charset="0"/>
+              </a:defRPr>
+            </a:lvl4pPr>
+            <a:lvl5pPr marL="2057400" indent="-228600">
+              <a:defRPr>
+                <a:solidFill>
+                  <a:schemeClr val="tx1"/>
+                </a:solidFill>
+                <a:latin typeface="Calibri" panose="020F0502020204030204" pitchFamily="34" charset="0"/>
+              </a:defRPr>
+            </a:lvl5pPr>
+            <a:lvl6pPr marL="2514600" indent="-228600" eaLnBrk="0" fontAlgn="base" hangingPunct="0">
+              <a:spcBef>
+                <a:spcPct val="0"/>
+              </a:spcBef>
+              <a:spcAft>
+                <a:spcPct val="0"/>
+              </a:spcAft>
+              <a:defRPr>
+                <a:solidFill>
+                  <a:schemeClr val="tx1"/>
+                </a:solidFill>
+                <a:latin typeface="Calibri" panose="020F0502020204030204" pitchFamily="34" charset="0"/>
+              </a:defRPr>
+            </a:lvl6pPr>
+            <a:lvl7pPr marL="2971800" indent="-228600" eaLnBrk="0" fontAlgn="base" hangingPunct="0">
+              <a:spcBef>
+                <a:spcPct val="0"/>
+              </a:spcBef>
+              <a:spcAft>
+                <a:spcPct val="0"/>
+              </a:spcAft>
+              <a:defRPr>
+                <a:solidFill>
+                  <a:schemeClr val="tx1"/>
+                </a:solidFill>
+                <a:latin typeface="Calibri" panose="020F0502020204030204" pitchFamily="34" charset="0"/>
+              </a:defRPr>
+            </a:lvl7pPr>
+            <a:lvl8pPr marL="3429000" indent="-228600" eaLnBrk="0" fontAlgn="base" hangingPunct="0">
+              <a:spcBef>
+                <a:spcPct val="0"/>
+              </a:spcBef>
+              <a:spcAft>
+                <a:spcPct val="0"/>
+              </a:spcAft>
+              <a:defRPr>
+                <a:solidFill>
+                  <a:schemeClr val="tx1"/>
+                </a:solidFill>
+                <a:latin typeface="Calibri" panose="020F0502020204030204" pitchFamily="34" charset="0"/>
+              </a:defRPr>
+            </a:lvl8pPr>
+            <a:lvl9pPr marL="3886200" indent="-228600" eaLnBrk="0" fontAlgn="base" hangingPunct="0">
+              <a:spcBef>
+                <a:spcPct val="0"/>
+              </a:spcBef>
+              <a:spcAft>
+                <a:spcPct val="0"/>
+              </a:spcAft>
+              <a:defRPr>
+                <a:solidFill>
+                  <a:schemeClr val="tx1"/>
+                </a:solidFill>
+                <a:latin typeface="Calibri" panose="020F0502020204030204" pitchFamily="34" charset="0"/>
+              </a:defRPr>
+            </a:lvl9pPr>
+          </a:lstStyle>
+          <a:p>
+            <a:pPr algn="ctr" eaLnBrk="1" hangingPunct="1"/>
+            <a:r>
+              <a:rPr lang="en-US" altLang="en-US" sz="1100" dirty="0">
+                <a:latin typeface="Arial" panose="020B0604020202020204" pitchFamily="34" charset="0"/>
+                <a:ea typeface="Amazon Ember" panose="020B0603020204020204" pitchFamily="34" charset="0"/>
+                <a:cs typeface="Arial" panose="020B0604020202020204" pitchFamily="34" charset="0"/>
+              </a:rPr>
+              <a:t>Lambda Function</a:t>
+            </a:r>
+          </a:p>
+        </p:txBody>
+      </p:sp>
+      <p:pic>
+        <p:nvPicPr>
+          <p:cNvPr id="51" name="Graphic 13">
+            <a:extLst>
+              <a:ext uri="{FF2B5EF4-FFF2-40B4-BE49-F238E27FC236}">
+                <a16:creationId xmlns:a16="http://schemas.microsoft.com/office/drawing/2014/main" id="{50BDD637-D4B1-E84B-A4F4-6C8300DE00CE}"/>
+              </a:ext>
+            </a:extLst>
+          </p:cNvPr>
+          <p:cNvPicPr>
+            <a:picLocks noChangeAspect="1" noChangeArrowheads="1"/>
+          </p:cNvPicPr>
+          <p:nvPr/>
+        </p:nvPicPr>
+        <p:blipFill>
+          <a:blip r:embed="rId5">
+            <a:extLst>
+              <a:ext uri="{28A0092B-C50C-407E-A947-70E740481C1C}">
+                <a14:useLocalDpi xmlns:a14="http://schemas.microsoft.com/office/drawing/2010/main" val="0"/>
+              </a:ext>
+            </a:extLst>
+          </a:blip>
+          <a:srcRect/>
+          <a:stretch>
+            <a:fillRect/>
+          </a:stretch>
+        </p:blipFill>
+        <p:spPr bwMode="auto">
+          <a:xfrm>
+            <a:off x="5828312" y="2559140"/>
+            <a:ext cx="457200" cy="457200"/>
+          </a:xfrm>
+          <a:prstGeom prst="rect">
+            <a:avLst/>
+          </a:prstGeom>
+          <a:noFill/>
+          <a:ln>
+            <a:noFill/>
+          </a:ln>
+          <a:extLst>
+            <a:ext uri="{909E8E84-426E-40DD-AFC4-6F175D3DCCD1}">
+              <a14:hiddenFill xmlns:a14="http://schemas.microsoft.com/office/drawing/2010/main">
+                <a:solidFill>
+                  <a:srgbClr val="FFFFFF"/>
+                </a:solidFill>
+              </a14:hiddenFill>
+            </a:ext>
+            <a:ext uri="{91240B29-F687-4F45-9708-019B960494DF}">
+              <a14:hiddenLine xmlns:a14="http://schemas.microsoft.com/office/drawing/2010/main" w="9525">
+                <a:solidFill>
+                  <a:srgbClr val="000000"/>
+                </a:solidFill>
+                <a:miter lim="800000"/>
+                <a:headEnd/>
+                <a:tailEnd/>
+              </a14:hiddenLine>
+            </a:ext>
+          </a:extLst>
+        </p:spPr>
+      </p:pic>
+      <p:pic>
+        <p:nvPicPr>
+          <p:cNvPr id="52" name="Graphic 7">
+            <a:extLst>
+              <a:ext uri="{FF2B5EF4-FFF2-40B4-BE49-F238E27FC236}">
+                <a16:creationId xmlns:a16="http://schemas.microsoft.com/office/drawing/2014/main" id="{DC9D2C50-A64E-6840-851F-FFF73BCA1C29}"/>
+              </a:ext>
+            </a:extLst>
+          </p:cNvPr>
+          <p:cNvPicPr>
+            <a:picLocks noChangeAspect="1" noChangeArrowheads="1"/>
+          </p:cNvPicPr>
+          <p:nvPr/>
+        </p:nvPicPr>
+        <p:blipFill>
+          <a:blip r:embed="rId6">
+            <a:extLst>
+              <a:ext uri="{28A0092B-C50C-407E-A947-70E740481C1C}">
+                <a14:useLocalDpi xmlns:a14="http://schemas.microsoft.com/office/drawing/2010/main" val="0"/>
+              </a:ext>
+            </a:extLst>
+          </a:blip>
+          <a:srcRect/>
+          <a:stretch>
+            <a:fillRect/>
+          </a:stretch>
+        </p:blipFill>
+        <p:spPr bwMode="auto">
+          <a:xfrm>
+            <a:off x="5819672" y="3507727"/>
+            <a:ext cx="457200" cy="457200"/>
+          </a:xfrm>
+          <a:prstGeom prst="rect">
+            <a:avLst/>
+          </a:prstGeom>
+          <a:noFill/>
+          <a:ln>
+            <a:noFill/>
+          </a:ln>
+          <a:extLst>
+            <a:ext uri="{909E8E84-426E-40DD-AFC4-6F175D3DCCD1}">
+              <a14:hiddenFill xmlns:a14="http://schemas.microsoft.com/office/drawing/2010/main">
+                <a:solidFill>
+                  <a:srgbClr val="FFFFFF"/>
+                </a:solidFill>
+              </a14:hiddenFill>
+            </a:ext>
+            <a:ext uri="{91240B29-F687-4F45-9708-019B960494DF}">
+              <a14:hiddenLine xmlns:a14="http://schemas.microsoft.com/office/drawing/2010/main" w="9525">
+                <a:solidFill>
+                  <a:srgbClr val="000000"/>
+                </a:solidFill>
+                <a:miter lim="800000"/>
+                <a:headEnd/>
+                <a:tailEnd/>
+              </a14:hiddenLine>
+            </a:ext>
+          </a:extLst>
+        </p:spPr>
+      </p:pic>
+      <p:sp>
+        <p:nvSpPr>
+          <p:cNvPr id="53" name="TextBox 31">
+            <a:extLst>
+              <a:ext uri="{FF2B5EF4-FFF2-40B4-BE49-F238E27FC236}">
+                <a16:creationId xmlns:a16="http://schemas.microsoft.com/office/drawing/2014/main" id="{BA84AF58-DC8E-2248-8120-4A45434174A6}"/>
+              </a:ext>
+            </a:extLst>
+          </p:cNvPr>
+          <p:cNvSpPr txBox="1">
+            <a:spLocks noChangeArrowheads="1"/>
+          </p:cNvSpPr>
+          <p:nvPr/>
+        </p:nvSpPr>
+        <p:spPr bwMode="auto">
+          <a:xfrm>
+            <a:off x="5385535" y="3958578"/>
+            <a:ext cx="1163639" cy="430887"/>
+          </a:xfrm>
+          <a:prstGeom prst="rect">
+            <a:avLst/>
+          </a:prstGeom>
+          <a:noFill/>
+          <a:ln>
+            <a:noFill/>
+          </a:ln>
+          <a:extLst>
+            <a:ext uri="{909E8E84-426E-40DD-AFC4-6F175D3DCCD1}">
+              <a14:hiddenFill xmlns:a14="http://schemas.microsoft.com/office/drawing/2010/main">
+                <a:solidFill>
+                  <a:srgbClr val="FFFFFF"/>
+                </a:solidFill>
+              </a14:hiddenFill>
+            </a:ext>
+            <a:ext uri="{91240B29-F687-4F45-9708-019B960494DF}">
+              <a14:hiddenLine xmlns:a14="http://schemas.microsoft.com/office/drawing/2010/main" w="9525">
+                <a:solidFill>
+                  <a:srgbClr val="000000"/>
+                </a:solidFill>
+                <a:miter lim="800000"/>
+                <a:headEnd/>
+                <a:tailEnd/>
+              </a14:hiddenLine>
+            </a:ext>
+          </a:extLst>
+        </p:spPr>
+        <p:txBody>
+          <a:bodyPr wrap="square">
+            <a:spAutoFit/>
+          </a:bodyPr>
+          <a:lstStyle>
+            <a:lvl1pPr>
+              <a:defRPr>
+                <a:solidFill>
+                  <a:schemeClr val="tx1"/>
+                </a:solidFill>
+                <a:latin typeface="Calibri" panose="020F0502020204030204" pitchFamily="34" charset="0"/>
+              </a:defRPr>
+            </a:lvl1pPr>
+            <a:lvl2pPr marL="742950" indent="-285750">
+              <a:defRPr>
+                <a:solidFill>
+                  <a:schemeClr val="tx1"/>
+                </a:solidFill>
+                <a:latin typeface="Calibri" panose="020F0502020204030204" pitchFamily="34" charset="0"/>
+              </a:defRPr>
+            </a:lvl2pPr>
+            <a:lvl3pPr marL="1143000" indent="-228600">
+              <a:defRPr>
+                <a:solidFill>
+                  <a:schemeClr val="tx1"/>
+                </a:solidFill>
+                <a:latin typeface="Calibri" panose="020F0502020204030204" pitchFamily="34" charset="0"/>
+              </a:defRPr>
+            </a:lvl3pPr>
+            <a:lvl4pPr marL="1600200" indent="-228600">
+              <a:defRPr>
+                <a:solidFill>
+                  <a:schemeClr val="tx1"/>
+                </a:solidFill>
+                <a:latin typeface="Calibri" panose="020F0502020204030204" pitchFamily="34" charset="0"/>
+              </a:defRPr>
+            </a:lvl4pPr>
+            <a:lvl5pPr marL="2057400" indent="-228600">
+              <a:defRPr>
+                <a:solidFill>
+                  <a:schemeClr val="tx1"/>
+                </a:solidFill>
+                <a:latin typeface="Calibri" panose="020F0502020204030204" pitchFamily="34" charset="0"/>
+              </a:defRPr>
+            </a:lvl5pPr>
+            <a:lvl6pPr marL="2514600" indent="-228600" eaLnBrk="0" fontAlgn="base" hangingPunct="0">
+              <a:spcBef>
+                <a:spcPct val="0"/>
+              </a:spcBef>
+              <a:spcAft>
+                <a:spcPct val="0"/>
+              </a:spcAft>
+              <a:defRPr>
+                <a:solidFill>
+                  <a:schemeClr val="tx1"/>
+                </a:solidFill>
+                <a:latin typeface="Calibri" panose="020F0502020204030204" pitchFamily="34" charset="0"/>
+              </a:defRPr>
+            </a:lvl6pPr>
+            <a:lvl7pPr marL="2971800" indent="-228600" eaLnBrk="0" fontAlgn="base" hangingPunct="0">
+              <a:spcBef>
+                <a:spcPct val="0"/>
+              </a:spcBef>
+              <a:spcAft>
+                <a:spcPct val="0"/>
+              </a:spcAft>
+              <a:defRPr>
+                <a:solidFill>
+                  <a:schemeClr val="tx1"/>
+                </a:solidFill>
+                <a:latin typeface="Calibri" panose="020F0502020204030204" pitchFamily="34" charset="0"/>
+              </a:defRPr>
+            </a:lvl7pPr>
+            <a:lvl8pPr marL="3429000" indent="-228600" eaLnBrk="0" fontAlgn="base" hangingPunct="0">
+              <a:spcBef>
+                <a:spcPct val="0"/>
+              </a:spcBef>
+              <a:spcAft>
+                <a:spcPct val="0"/>
+              </a:spcAft>
+              <a:defRPr>
+                <a:solidFill>
+                  <a:schemeClr val="tx1"/>
+                </a:solidFill>
+                <a:latin typeface="Calibri" panose="020F0502020204030204" pitchFamily="34" charset="0"/>
+              </a:defRPr>
+            </a:lvl8pPr>
+            <a:lvl9pPr marL="3886200" indent="-228600" eaLnBrk="0" fontAlgn="base" hangingPunct="0">
+              <a:spcBef>
+                <a:spcPct val="0"/>
+              </a:spcBef>
+              <a:spcAft>
+                <a:spcPct val="0"/>
+              </a:spcAft>
+              <a:defRPr>
+                <a:solidFill>
+                  <a:schemeClr val="tx1"/>
+                </a:solidFill>
+                <a:latin typeface="Calibri" panose="020F0502020204030204" pitchFamily="34" charset="0"/>
+              </a:defRPr>
+            </a:lvl9pPr>
+          </a:lstStyle>
+          <a:p>
+            <a:pPr algn="ctr" eaLnBrk="1" hangingPunct="1"/>
+            <a:r>
+              <a:rPr lang="en-US" altLang="en-US" sz="1100" dirty="0">
+                <a:latin typeface="Arial" panose="020B0604020202020204" pitchFamily="34" charset="0"/>
+                <a:ea typeface="Amazon Ember" panose="020B0603020204020204" pitchFamily="34" charset="0"/>
+                <a:cs typeface="Arial" panose="020B0604020202020204" pitchFamily="34" charset="0"/>
+              </a:rPr>
+              <a:t>CloudWatch Log Group</a:t>
+            </a:r>
+          </a:p>
+        </p:txBody>
+      </p:sp>
+      <p:sp>
+        <p:nvSpPr>
+          <p:cNvPr id="54" name="TextBox 29">
+            <a:extLst>
+              <a:ext uri="{FF2B5EF4-FFF2-40B4-BE49-F238E27FC236}">
+                <a16:creationId xmlns:a16="http://schemas.microsoft.com/office/drawing/2014/main" id="{81A54592-87A5-E64E-BE01-2E572FF1F408}"/>
+              </a:ext>
+            </a:extLst>
+          </p:cNvPr>
+          <p:cNvSpPr txBox="1">
+            <a:spLocks noChangeArrowheads="1"/>
+          </p:cNvSpPr>
+          <p:nvPr/>
+        </p:nvSpPr>
+        <p:spPr bwMode="auto">
+          <a:xfrm>
+            <a:off x="4110249" y="3948180"/>
+            <a:ext cx="1119613" cy="261610"/>
+          </a:xfrm>
+          <a:prstGeom prst="rect">
+            <a:avLst/>
+          </a:prstGeom>
+          <a:noFill/>
+          <a:ln>
+            <a:noFill/>
+          </a:ln>
+          <a:extLst>
+            <a:ext uri="{909E8E84-426E-40DD-AFC4-6F175D3DCCD1}">
+              <a14:hiddenFill xmlns:a14="http://schemas.microsoft.com/office/drawing/2010/main">
+                <a:solidFill>
+                  <a:srgbClr val="FFFFFF"/>
+                </a:solidFill>
+              </a14:hiddenFill>
+            </a:ext>
+            <a:ext uri="{91240B29-F687-4F45-9708-019B960494DF}">
+              <a14:hiddenLine xmlns:a14="http://schemas.microsoft.com/office/drawing/2010/main" w="9525">
+                <a:solidFill>
+                  <a:srgbClr val="000000"/>
+                </a:solidFill>
+                <a:miter lim="800000"/>
+                <a:headEnd/>
+                <a:tailEnd/>
+              </a14:hiddenLine>
+            </a:ext>
+          </a:extLst>
+        </p:spPr>
+        <p:txBody>
+          <a:bodyPr wrap="square">
+            <a:spAutoFit/>
+          </a:bodyPr>
+          <a:lstStyle>
+            <a:lvl1pPr>
+              <a:defRPr>
+                <a:solidFill>
+                  <a:schemeClr val="tx1"/>
+                </a:solidFill>
+                <a:latin typeface="Calibri" panose="020F0502020204030204" pitchFamily="34" charset="0"/>
+              </a:defRPr>
+            </a:lvl1pPr>
+            <a:lvl2pPr marL="742950" indent="-285750">
+              <a:defRPr>
+                <a:solidFill>
+                  <a:schemeClr val="tx1"/>
+                </a:solidFill>
+                <a:latin typeface="Calibri" panose="020F0502020204030204" pitchFamily="34" charset="0"/>
+              </a:defRPr>
+            </a:lvl2pPr>
+            <a:lvl3pPr marL="1143000" indent="-228600">
+              <a:defRPr>
+                <a:solidFill>
+                  <a:schemeClr val="tx1"/>
+                </a:solidFill>
+                <a:latin typeface="Calibri" panose="020F0502020204030204" pitchFamily="34" charset="0"/>
+              </a:defRPr>
+            </a:lvl3pPr>
+            <a:lvl4pPr marL="1600200" indent="-228600">
+              <a:defRPr>
+                <a:solidFill>
+                  <a:schemeClr val="tx1"/>
+                </a:solidFill>
+                <a:latin typeface="Calibri" panose="020F0502020204030204" pitchFamily="34" charset="0"/>
+              </a:defRPr>
+            </a:lvl4pPr>
+            <a:lvl5pPr marL="2057400" indent="-228600">
+              <a:defRPr>
+                <a:solidFill>
+                  <a:schemeClr val="tx1"/>
+                </a:solidFill>
+                <a:latin typeface="Calibri" panose="020F0502020204030204" pitchFamily="34" charset="0"/>
+              </a:defRPr>
+            </a:lvl5pPr>
+            <a:lvl6pPr marL="2514600" indent="-228600" eaLnBrk="0" fontAlgn="base" hangingPunct="0">
+              <a:spcBef>
+                <a:spcPct val="0"/>
+              </a:spcBef>
+              <a:spcAft>
+                <a:spcPct val="0"/>
+              </a:spcAft>
+              <a:defRPr>
+                <a:solidFill>
+                  <a:schemeClr val="tx1"/>
+                </a:solidFill>
+                <a:latin typeface="Calibri" panose="020F0502020204030204" pitchFamily="34" charset="0"/>
+              </a:defRPr>
+            </a:lvl6pPr>
+            <a:lvl7pPr marL="2971800" indent="-228600" eaLnBrk="0" fontAlgn="base" hangingPunct="0">
+              <a:spcBef>
+                <a:spcPct val="0"/>
+              </a:spcBef>
+              <a:spcAft>
+                <a:spcPct val="0"/>
+              </a:spcAft>
+              <a:defRPr>
+                <a:solidFill>
+                  <a:schemeClr val="tx1"/>
+                </a:solidFill>
+                <a:latin typeface="Calibri" panose="020F0502020204030204" pitchFamily="34" charset="0"/>
+              </a:defRPr>
+            </a:lvl7pPr>
+            <a:lvl8pPr marL="3429000" indent="-228600" eaLnBrk="0" fontAlgn="base" hangingPunct="0">
+              <a:spcBef>
+                <a:spcPct val="0"/>
+              </a:spcBef>
+              <a:spcAft>
+                <a:spcPct val="0"/>
+              </a:spcAft>
+              <a:defRPr>
+                <a:solidFill>
+                  <a:schemeClr val="tx1"/>
+                </a:solidFill>
+                <a:latin typeface="Calibri" panose="020F0502020204030204" pitchFamily="34" charset="0"/>
+              </a:defRPr>
+            </a:lvl8pPr>
+            <a:lvl9pPr marL="3886200" indent="-228600" eaLnBrk="0" fontAlgn="base" hangingPunct="0">
+              <a:spcBef>
+                <a:spcPct val="0"/>
+              </a:spcBef>
+              <a:spcAft>
+                <a:spcPct val="0"/>
+              </a:spcAft>
+              <a:defRPr>
+                <a:solidFill>
+                  <a:schemeClr val="tx1"/>
+                </a:solidFill>
+                <a:latin typeface="Calibri" panose="020F0502020204030204" pitchFamily="34" charset="0"/>
+              </a:defRPr>
+            </a:lvl9pPr>
+          </a:lstStyle>
+          <a:p>
+            <a:pPr algn="ctr" eaLnBrk="1" hangingPunct="1"/>
+            <a:r>
+              <a:rPr lang="en-US" altLang="en-US" sz="1100" dirty="0">
+                <a:latin typeface="Arial" panose="020B0604020202020204" pitchFamily="34" charset="0"/>
+                <a:ea typeface="Amazon Ember" panose="020B0603020204020204" pitchFamily="34" charset="0"/>
+                <a:cs typeface="Arial" panose="020B0604020202020204" pitchFamily="34" charset="0"/>
+              </a:rPr>
+              <a:t>Lambda Role</a:t>
+            </a:r>
+          </a:p>
+        </p:txBody>
+      </p:sp>
+      <p:pic>
+        <p:nvPicPr>
+          <p:cNvPr id="55" name="Graphic 49">
+            <a:extLst>
+              <a:ext uri="{FF2B5EF4-FFF2-40B4-BE49-F238E27FC236}">
+                <a16:creationId xmlns:a16="http://schemas.microsoft.com/office/drawing/2014/main" id="{2D75FA22-FF73-4D4D-A15D-E7D5D06CFDCD}"/>
+              </a:ext>
+            </a:extLst>
+          </p:cNvPr>
+          <p:cNvPicPr>
+            <a:picLocks noChangeAspect="1" noChangeArrowheads="1"/>
+          </p:cNvPicPr>
+          <p:nvPr/>
+        </p:nvPicPr>
+        <p:blipFill>
+          <a:blip r:embed="rId7">
+            <a:extLst>
+              <a:ext uri="{28A0092B-C50C-407E-A947-70E740481C1C}">
+                <a14:useLocalDpi xmlns:a14="http://schemas.microsoft.com/office/drawing/2010/main" val="0"/>
+              </a:ext>
+            </a:extLst>
+          </a:blip>
+          <a:srcRect/>
+          <a:stretch>
+            <a:fillRect/>
+          </a:stretch>
+        </p:blipFill>
+        <p:spPr bwMode="auto">
+          <a:xfrm>
+            <a:off x="4448138" y="3581344"/>
+            <a:ext cx="457200" cy="457200"/>
+          </a:xfrm>
+          <a:prstGeom prst="rect">
+            <a:avLst/>
+          </a:prstGeom>
+          <a:noFill/>
+          <a:ln>
+            <a:noFill/>
+          </a:ln>
+          <a:extLst>
+            <a:ext uri="{909E8E84-426E-40DD-AFC4-6F175D3DCCD1}">
+              <a14:hiddenFill xmlns:a14="http://schemas.microsoft.com/office/drawing/2010/main">
+                <a:solidFill>
+                  <a:srgbClr val="FFFFFF"/>
+                </a:solidFill>
+              </a14:hiddenFill>
+            </a:ext>
+            <a:ext uri="{91240B29-F687-4F45-9708-019B960494DF}">
+              <a14:hiddenLine xmlns:a14="http://schemas.microsoft.com/office/drawing/2010/main" w="9525">
+                <a:solidFill>
+                  <a:srgbClr val="000000"/>
+                </a:solidFill>
+                <a:miter lim="800000"/>
+                <a:headEnd/>
+                <a:tailEnd/>
+              </a14:hiddenLine>
+            </a:ext>
+          </a:extLst>
+        </p:spPr>
+      </p:pic>
+      <p:cxnSp>
+        <p:nvCxnSpPr>
+          <p:cNvPr id="56" name="Straight Arrow Connector 55">
+            <a:extLst>
+              <a:ext uri="{FF2B5EF4-FFF2-40B4-BE49-F238E27FC236}">
+                <a16:creationId xmlns:a16="http://schemas.microsoft.com/office/drawing/2014/main" id="{00720247-6D22-DD47-A167-742D770132E6}"/>
+              </a:ext>
+            </a:extLst>
+          </p:cNvPr>
+          <p:cNvCxnSpPr>
+            <a:cxnSpLocks/>
+            <a:stCxn id="50" idx="2"/>
+            <a:endCxn id="52" idx="0"/>
+          </p:cNvCxnSpPr>
+          <p:nvPr/>
+        </p:nvCxnSpPr>
+        <p:spPr>
+          <a:xfrm flipH="1">
+            <a:off x="6048272" y="3300175"/>
+            <a:ext cx="151" cy="207552"/>
+          </a:xfrm>
+          <a:prstGeom prst="straightConnector1">
+            <a:avLst/>
+          </a:prstGeom>
+          <a:ln>
+            <a:tailEnd type="triangle"/>
+          </a:ln>
+        </p:spPr>
+        <p:style>
+          <a:lnRef idx="1">
+            <a:schemeClr val="dk1"/>
+          </a:lnRef>
+          <a:fillRef idx="0">
+            <a:schemeClr val="dk1"/>
+          </a:fillRef>
+          <a:effectRef idx="0">
+            <a:schemeClr val="dk1"/>
+          </a:effectRef>
+          <a:fontRef idx="minor">
+            <a:schemeClr val="tx1"/>
+          </a:fontRef>
+        </p:style>
+      </p:cxnSp>
+      <p:sp>
+        <p:nvSpPr>
+          <p:cNvPr id="57" name="Rectangle 56">
+            <a:extLst>
+              <a:ext uri="{FF2B5EF4-FFF2-40B4-BE49-F238E27FC236}">
+                <a16:creationId xmlns:a16="http://schemas.microsoft.com/office/drawing/2014/main" id="{C71B7B4E-1E78-B842-868A-3BBF73B37F68}"/>
+              </a:ext>
+            </a:extLst>
+          </p:cNvPr>
+          <p:cNvSpPr/>
+          <p:nvPr/>
+        </p:nvSpPr>
+        <p:spPr>
+          <a:xfrm>
+            <a:off x="4096916" y="2287241"/>
+            <a:ext cx="3986072" cy="2164872"/>
+          </a:xfrm>
+          <a:prstGeom prst="rect">
+            <a:avLst/>
+          </a:prstGeom>
+          <a:noFill/>
+          <a:ln w="12700">
+            <a:solidFill>
+              <a:schemeClr val="tx1"/>
+            </a:solidFill>
+            <a:prstDash val="dash"/>
+          </a:ln>
+        </p:spPr>
+        <p:style>
+          <a:lnRef idx="2">
+            <a:schemeClr val="accent1">
+              <a:shade val="50000"/>
+            </a:schemeClr>
+          </a:lnRef>
+          <a:fillRef idx="1">
+            <a:schemeClr val="accent1"/>
+          </a:fillRef>
+          <a:effectRef idx="0">
+            <a:schemeClr val="accent1"/>
+          </a:effectRef>
+          <a:fontRef idx="minor">
+            <a:schemeClr val="lt1"/>
+          </a:fontRef>
+        </p:style>
+        <p:txBody>
+          <a:bodyPr rot="0" spcFirstLastPara="0" vertOverflow="overflow" horzOverflow="overflow" vert="horz" wrap="square" lIns="91440" tIns="0" rIns="91440" bIns="45720" numCol="1" spcCol="0" rtlCol="0" fromWordArt="0" anchor="t" anchorCtr="0" forceAA="0" compatLnSpc="1">
+            <a:prstTxWarp prst="textNoShape">
+              <a:avLst/>
+            </a:prstTxWarp>
+            <a:noAutofit/>
+          </a:bodyPr>
+          <a:lstStyle/>
+          <a:p>
+            <a:r>
+              <a:rPr lang="en-US" sz="1200" b="1" dirty="0">
+                <a:solidFill>
+                  <a:schemeClr val="tx1"/>
+                </a:solidFill>
+              </a:rPr>
+              <a:t>Home-region</a:t>
+            </a:r>
+          </a:p>
+        </p:txBody>
+      </p:sp>
+      <p:pic>
+        <p:nvPicPr>
+          <p:cNvPr id="58" name="Graphic 19">
+            <a:extLst>
+              <a:ext uri="{FF2B5EF4-FFF2-40B4-BE49-F238E27FC236}">
+                <a16:creationId xmlns:a16="http://schemas.microsoft.com/office/drawing/2014/main" id="{1BC9126C-017A-234F-92BB-99BAED582BC7}"/>
+              </a:ext>
+            </a:extLst>
+          </p:cNvPr>
+          <p:cNvPicPr>
+            <a:picLocks noChangeAspect="1" noChangeArrowheads="1"/>
+          </p:cNvPicPr>
+          <p:nvPr/>
+        </p:nvPicPr>
+        <p:blipFill>
+          <a:blip r:embed="rId8">
+            <a:extLst>
+              <a:ext uri="{28A0092B-C50C-407E-A947-70E740481C1C}">
+                <a14:useLocalDpi xmlns:a14="http://schemas.microsoft.com/office/drawing/2010/main" val="0"/>
+              </a:ext>
+            </a:extLst>
+          </a:blip>
+          <a:srcRect/>
+          <a:stretch>
+            <a:fillRect/>
+          </a:stretch>
+        </p:blipFill>
+        <p:spPr bwMode="auto">
+          <a:xfrm>
+            <a:off x="7180379" y="2522729"/>
+            <a:ext cx="457200" cy="457200"/>
+          </a:xfrm>
+          <a:prstGeom prst="rect">
+            <a:avLst/>
+          </a:prstGeom>
+          <a:noFill/>
+          <a:ln>
+            <a:noFill/>
+          </a:ln>
+          <a:extLst>
+            <a:ext uri="{909E8E84-426E-40DD-AFC4-6F175D3DCCD1}">
+              <a14:hiddenFill xmlns:a14="http://schemas.microsoft.com/office/drawing/2010/main">
+                <a:solidFill>
+                  <a:srgbClr val="FFFFFF"/>
+                </a:solidFill>
+              </a14:hiddenFill>
+            </a:ext>
+            <a:ext uri="{91240B29-F687-4F45-9708-019B960494DF}">
+              <a14:hiddenLine xmlns:a14="http://schemas.microsoft.com/office/drawing/2010/main" w="9525">
+                <a:solidFill>
+                  <a:srgbClr val="000000"/>
+                </a:solidFill>
+                <a:miter lim="800000"/>
+                <a:headEnd/>
+                <a:tailEnd/>
+              </a14:hiddenLine>
+            </a:ext>
+          </a:extLst>
+        </p:spPr>
+      </p:pic>
+      <p:sp>
+        <p:nvSpPr>
+          <p:cNvPr id="86" name="Oval 85">
+            <a:extLst>
+              <a:ext uri="{FF2B5EF4-FFF2-40B4-BE49-F238E27FC236}">
+                <a16:creationId xmlns:a16="http://schemas.microsoft.com/office/drawing/2014/main" id="{C69975ED-D724-5D4A-B63D-87D44AB2A082}"/>
+              </a:ext>
+            </a:extLst>
+          </p:cNvPr>
+          <p:cNvSpPr/>
+          <p:nvPr/>
+        </p:nvSpPr>
+        <p:spPr>
+          <a:xfrm>
+            <a:off x="7186050" y="2536432"/>
+            <a:ext cx="253435" cy="212902"/>
+          </a:xfrm>
+          <a:prstGeom prst="ellipse">
+            <a:avLst/>
+          </a:prstGeom>
+          <a:solidFill>
+            <a:schemeClr val="tx1"/>
+          </a:solidFill>
+          <a:ln>
+            <a:solidFill>
+              <a:schemeClr val="tx1"/>
+            </a:solidFill>
+          </a:ln>
+        </p:spPr>
+        <p:style>
+          <a:lnRef idx="2">
+            <a:schemeClr val="accent1">
+              <a:shade val="50000"/>
+            </a:schemeClr>
+          </a:lnRef>
+          <a:fillRef idx="1">
+            <a:schemeClr val="accent1"/>
+          </a:fillRef>
+          <a:effectRef idx="0">
+            <a:schemeClr val="accent1"/>
+          </a:effectRef>
+          <a:fontRef idx="minor">
+            <a:schemeClr val="lt1"/>
+          </a:fontRef>
+        </p:style>
+        <p:txBody>
+          <a:bodyPr lIns="0" tIns="0" rIns="0" bIns="0" rtlCol="0" anchor="ctr"/>
+          <a:lstStyle/>
+          <a:p>
+            <a:pPr algn="ctr"/>
+            <a:r>
+              <a:rPr lang="en-US" sz="800">
+                <a:latin typeface="Arial" panose="020B0604020202020204" pitchFamily="34" charset="0"/>
+                <a:cs typeface="Arial" panose="020B0604020202020204" pitchFamily="34" charset="0"/>
+              </a:rPr>
+              <a:t>1.4</a:t>
+            </a:r>
+            <a:endParaRPr lang="en-US" sz="800" dirty="0">
+              <a:latin typeface="Arial" panose="020B0604020202020204" pitchFamily="34" charset="0"/>
+              <a:cs typeface="Arial" panose="020B0604020202020204" pitchFamily="34" charset="0"/>
+            </a:endParaRPr>
+          </a:p>
+        </p:txBody>
+      </p:sp>
+      <p:sp>
+        <p:nvSpPr>
+          <p:cNvPr id="228" name="Oval 227">
+            <a:extLst>
+              <a:ext uri="{FF2B5EF4-FFF2-40B4-BE49-F238E27FC236}">
+                <a16:creationId xmlns:a16="http://schemas.microsoft.com/office/drawing/2014/main" id="{2825B996-8DA9-604E-ADB8-7AADC93D3485}"/>
+              </a:ext>
+            </a:extLst>
+          </p:cNvPr>
+          <p:cNvSpPr/>
+          <p:nvPr/>
+        </p:nvSpPr>
+        <p:spPr>
+          <a:xfrm>
+            <a:off x="5574877" y="2528777"/>
+            <a:ext cx="253435" cy="212902"/>
+          </a:xfrm>
+          <a:prstGeom prst="ellipse">
+            <a:avLst/>
+          </a:prstGeom>
+          <a:solidFill>
+            <a:schemeClr val="tx1"/>
+          </a:solidFill>
+          <a:ln>
+            <a:solidFill>
+              <a:schemeClr val="tx1"/>
+            </a:solidFill>
+          </a:ln>
+        </p:spPr>
+        <p:style>
+          <a:lnRef idx="2">
+            <a:schemeClr val="accent1">
+              <a:shade val="50000"/>
+            </a:schemeClr>
+          </a:lnRef>
+          <a:fillRef idx="1">
+            <a:schemeClr val="accent1"/>
+          </a:fillRef>
+          <a:effectRef idx="0">
+            <a:schemeClr val="accent1"/>
+          </a:effectRef>
+          <a:fontRef idx="minor">
+            <a:schemeClr val="lt1"/>
+          </a:fontRef>
+        </p:style>
+        <p:txBody>
+          <a:bodyPr lIns="0" tIns="0" rIns="0" bIns="0" rtlCol="0" anchor="ctr"/>
+          <a:lstStyle/>
+          <a:p>
+            <a:pPr algn="ctr"/>
+            <a:r>
+              <a:rPr lang="en-US" sz="800" dirty="0">
+                <a:latin typeface="Arial" panose="020B0604020202020204" pitchFamily="34" charset="0"/>
+                <a:cs typeface="Arial" panose="020B0604020202020204" pitchFamily="34" charset="0"/>
+              </a:rPr>
+              <a:t>1.1</a:t>
+            </a:r>
+          </a:p>
+        </p:txBody>
+      </p:sp>
+      <p:sp>
+        <p:nvSpPr>
+          <p:cNvPr id="229" name="Oval 228">
+            <a:extLst>
+              <a:ext uri="{FF2B5EF4-FFF2-40B4-BE49-F238E27FC236}">
+                <a16:creationId xmlns:a16="http://schemas.microsoft.com/office/drawing/2014/main" id="{859652C7-00A9-F34A-9655-67677985A48F}"/>
+              </a:ext>
+            </a:extLst>
+          </p:cNvPr>
+          <p:cNvSpPr/>
+          <p:nvPr/>
+        </p:nvSpPr>
+        <p:spPr>
+          <a:xfrm>
+            <a:off x="4269958" y="3597042"/>
+            <a:ext cx="253435" cy="212902"/>
+          </a:xfrm>
+          <a:prstGeom prst="ellipse">
+            <a:avLst/>
+          </a:prstGeom>
+          <a:solidFill>
+            <a:schemeClr val="tx1"/>
+          </a:solidFill>
+          <a:ln>
+            <a:solidFill>
+              <a:schemeClr val="tx1"/>
+            </a:solidFill>
+          </a:ln>
+        </p:spPr>
+        <p:style>
+          <a:lnRef idx="2">
+            <a:schemeClr val="accent1">
+              <a:shade val="50000"/>
+            </a:schemeClr>
+          </a:lnRef>
+          <a:fillRef idx="1">
+            <a:schemeClr val="accent1"/>
+          </a:fillRef>
+          <a:effectRef idx="0">
+            <a:schemeClr val="accent1"/>
+          </a:effectRef>
+          <a:fontRef idx="minor">
+            <a:schemeClr val="lt1"/>
+          </a:fontRef>
+        </p:style>
+        <p:txBody>
+          <a:bodyPr lIns="0" tIns="0" rIns="0" bIns="0" rtlCol="0" anchor="ctr"/>
+          <a:lstStyle/>
+          <a:p>
+            <a:pPr algn="ctr"/>
+            <a:r>
+              <a:rPr lang="en-US" sz="800" dirty="0">
+                <a:latin typeface="Arial" panose="020B0604020202020204" pitchFamily="34" charset="0"/>
+                <a:cs typeface="Arial" panose="020B0604020202020204" pitchFamily="34" charset="0"/>
+              </a:rPr>
+              <a:t>1.3</a:t>
+            </a:r>
+          </a:p>
+        </p:txBody>
+      </p:sp>
+      <p:sp>
+        <p:nvSpPr>
+          <p:cNvPr id="230" name="Oval 229">
+            <a:extLst>
+              <a:ext uri="{FF2B5EF4-FFF2-40B4-BE49-F238E27FC236}">
+                <a16:creationId xmlns:a16="http://schemas.microsoft.com/office/drawing/2014/main" id="{A8B92BA9-A7C6-BB4E-B68F-9B0ADFBA3120}"/>
+              </a:ext>
+            </a:extLst>
+          </p:cNvPr>
+          <p:cNvSpPr/>
+          <p:nvPr/>
+        </p:nvSpPr>
+        <p:spPr>
+          <a:xfrm>
+            <a:off x="5561090" y="3431876"/>
+            <a:ext cx="253435" cy="212902"/>
+          </a:xfrm>
+          <a:prstGeom prst="ellipse">
+            <a:avLst/>
+          </a:prstGeom>
+          <a:solidFill>
+            <a:schemeClr val="tx1"/>
+          </a:solidFill>
+          <a:ln>
+            <a:solidFill>
+              <a:schemeClr val="tx1"/>
+            </a:solidFill>
+          </a:ln>
+        </p:spPr>
+        <p:style>
+          <a:lnRef idx="2">
+            <a:schemeClr val="accent1">
+              <a:shade val="50000"/>
+            </a:schemeClr>
+          </a:lnRef>
+          <a:fillRef idx="1">
+            <a:schemeClr val="accent1"/>
+          </a:fillRef>
+          <a:effectRef idx="0">
+            <a:schemeClr val="accent1"/>
+          </a:effectRef>
+          <a:fontRef idx="minor">
+            <a:schemeClr val="lt1"/>
+          </a:fontRef>
+        </p:style>
+        <p:txBody>
+          <a:bodyPr lIns="0" tIns="0" rIns="0" bIns="0" rtlCol="0" anchor="ctr"/>
+          <a:lstStyle/>
+          <a:p>
+            <a:pPr algn="ctr"/>
+            <a:r>
+              <a:rPr lang="en-US" sz="800" dirty="0">
+                <a:latin typeface="Arial" panose="020B0604020202020204" pitchFamily="34" charset="0"/>
+                <a:cs typeface="Arial" panose="020B0604020202020204" pitchFamily="34" charset="0"/>
+              </a:rPr>
+              <a:t>1.2</a:t>
+            </a:r>
+          </a:p>
+        </p:txBody>
+      </p:sp>
+      <p:cxnSp>
+        <p:nvCxnSpPr>
+          <p:cNvPr id="5" name="Straight Arrow Connector 4">
+            <a:extLst>
+              <a:ext uri="{FF2B5EF4-FFF2-40B4-BE49-F238E27FC236}">
+                <a16:creationId xmlns:a16="http://schemas.microsoft.com/office/drawing/2014/main" id="{CF9F0FED-1193-4646-A68C-561B18A8B69C}"/>
+              </a:ext>
+            </a:extLst>
+          </p:cNvPr>
+          <p:cNvCxnSpPr/>
+          <p:nvPr/>
+        </p:nvCxnSpPr>
+        <p:spPr>
+          <a:xfrm>
+            <a:off x="6467221" y="2749334"/>
+            <a:ext cx="456709" cy="0"/>
+          </a:xfrm>
+          <a:prstGeom prst="straightConnector1">
+            <a:avLst/>
+          </a:prstGeom>
+          <a:ln>
+            <a:tailEnd type="triangle"/>
+          </a:ln>
+        </p:spPr>
+        <p:style>
+          <a:lnRef idx="1">
+            <a:schemeClr val="dk1"/>
+          </a:lnRef>
+          <a:fillRef idx="0">
+            <a:schemeClr val="dk1"/>
+          </a:fillRef>
+          <a:effectRef idx="0">
+            <a:schemeClr val="dk1"/>
+          </a:effectRef>
+          <a:fontRef idx="minor">
+            <a:schemeClr val="tx1"/>
+          </a:fontRef>
+        </p:style>
+      </p:cxnSp>
+    </p:spTree>
+    <p:extLst>
+      <p:ext uri="{BB962C8B-B14F-4D97-AF65-F5344CB8AC3E}">
+        <p14:creationId xmlns:p14="http://schemas.microsoft.com/office/powerpoint/2010/main" val="2035560346"/>
       </p:ext>
     </p:extLst>
   </p:cSld>
